--- a/Documents/Presentation2.pptx
+++ b/Documents/Presentation2.pptx
@@ -206,7 +206,7 @@
           <a:p>
             <a:fld id="{EBACBB57-5019-4C34-B895-9DAC8A1F72A5}" type="datetimeFigureOut">
               <a:rPr lang="fr-CH" smtClean="0"/>
-              <a:t>06.05.2020</a:t>
+              <a:t>08.05.2020</a:t>
             </a:fld>
             <a:endParaRPr lang="fr-CH"/>
           </a:p>
@@ -808,7 +808,7 @@
           <a:p>
             <a:fld id="{A1C5EC13-83CD-46FC-A749-A66713452AB8}" type="datetime1">
               <a:rPr lang="fr-CH" smtClean="0"/>
-              <a:t>06.05.2020</a:t>
+              <a:t>08.05.2020</a:t>
             </a:fld>
             <a:endParaRPr lang="fr-CH"/>
           </a:p>
@@ -995,7 +995,7 @@
           <a:p>
             <a:fld id="{7E456747-9D74-4D5C-A57B-216C1DCF555B}" type="datetime1">
               <a:rPr lang="fr-CH" smtClean="0"/>
-              <a:t>06.05.2020</a:t>
+              <a:t>08.05.2020</a:t>
             </a:fld>
             <a:endParaRPr lang="fr-CH"/>
           </a:p>
@@ -1175,7 +1175,7 @@
           <a:p>
             <a:fld id="{35AB7460-04F9-4582-9AE7-9E23C393B231}" type="datetime1">
               <a:rPr lang="fr-CH" smtClean="0"/>
-              <a:t>06.05.2020</a:t>
+              <a:t>08.05.2020</a:t>
             </a:fld>
             <a:endParaRPr lang="fr-CH"/>
           </a:p>
@@ -1360,7 +1360,7 @@
           <a:p>
             <a:fld id="{443BA57E-7B21-4F6F-82E1-FF01CD7ABA13}" type="datetime1">
               <a:rPr lang="fr-CH" smtClean="0"/>
-              <a:t>06.05.2020</a:t>
+              <a:t>08.05.2020</a:t>
             </a:fld>
             <a:endParaRPr lang="en-US" dirty="0"/>
           </a:p>
@@ -2178,7 +2178,7 @@
           <a:p>
             <a:fld id="{062309E3-34CC-4F3C-A1BD-713587317DF7}" type="datetime1">
               <a:rPr lang="fr-CH" smtClean="0"/>
-              <a:t>06.05.2020</a:t>
+              <a:t>08.05.2020</a:t>
             </a:fld>
             <a:endParaRPr lang="fr-CH"/>
           </a:p>
@@ -2360,7 +2360,7 @@
           <a:p>
             <a:fld id="{CA50544D-CD99-4DB3-9168-B3A8E20C09FE}" type="datetime1">
               <a:rPr lang="fr-CH" smtClean="0"/>
-              <a:t>06.05.2020</a:t>
+              <a:t>08.05.2020</a:t>
             </a:fld>
             <a:endParaRPr lang="fr-CH"/>
           </a:p>
@@ -2614,7 +2614,7 @@
           <a:p>
             <a:fld id="{0BA05AE5-1ED1-49B1-BD0C-362DD8300DA6}" type="datetime1">
               <a:rPr lang="fr-CH" smtClean="0"/>
-              <a:t>06.05.2020</a:t>
+              <a:t>08.05.2020</a:t>
             </a:fld>
             <a:endParaRPr lang="fr-CH"/>
           </a:p>
@@ -2853,7 +2853,7 @@
           <a:p>
             <a:fld id="{F321FB04-B1F8-410C-91A1-6F9F06ABF9AD}" type="datetime1">
               <a:rPr lang="fr-CH" smtClean="0"/>
-              <a:t>06.05.2020</a:t>
+              <a:t>08.05.2020</a:t>
             </a:fld>
             <a:endParaRPr lang="fr-CH"/>
           </a:p>
@@ -3227,7 +3227,7 @@
           <a:p>
             <a:fld id="{B78CB868-B46E-4481-9B17-F23B1E033C87}" type="datetime1">
               <a:rPr lang="fr-CH" smtClean="0"/>
-              <a:t>06.05.2020</a:t>
+              <a:t>08.05.2020</a:t>
             </a:fld>
             <a:endParaRPr lang="fr-CH"/>
           </a:p>
@@ -3350,7 +3350,7 @@
           <a:p>
             <a:fld id="{AED0E9EF-17A4-4D73-89B5-BE4B97634EE6}" type="datetime1">
               <a:rPr lang="fr-CH" smtClean="0"/>
-              <a:t>06.05.2020</a:t>
+              <a:t>08.05.2020</a:t>
             </a:fld>
             <a:endParaRPr lang="fr-CH"/>
           </a:p>
@@ -3445,7 +3445,7 @@
           <a:p>
             <a:fld id="{185805BF-25D7-407C-8F23-26F91DDF1D3E}" type="datetime1">
               <a:rPr lang="fr-CH" smtClean="0"/>
-              <a:t>06.05.2020</a:t>
+              <a:t>08.05.2020</a:t>
             </a:fld>
             <a:endParaRPr lang="fr-CH"/>
           </a:p>
@@ -3715,7 +3715,7 @@
           <a:p>
             <a:fld id="{159142C7-4527-4223-B0C3-EFB260406640}" type="datetime1">
               <a:rPr lang="fr-CH" smtClean="0"/>
-              <a:t>06.05.2020</a:t>
+              <a:t>08.05.2020</a:t>
             </a:fld>
             <a:endParaRPr lang="fr-CH"/>
           </a:p>
@@ -3987,7 +3987,7 @@
           <a:p>
             <a:fld id="{76BB6D0E-3881-4B3D-96CD-ECBF10879B6D}" type="datetime1">
               <a:rPr lang="fr-CH" smtClean="0"/>
-              <a:t>06.05.2020</a:t>
+              <a:t>08.05.2020</a:t>
             </a:fld>
             <a:endParaRPr lang="fr-CH"/>
           </a:p>
@@ -4292,7 +4292,7 @@
           <a:p>
             <a:fld id="{CE03783F-3525-484F-BB92-A97332512ECC}" type="datetime1">
               <a:rPr lang="fr-CH" smtClean="0"/>
-              <a:t>06.05.2020</a:t>
+              <a:t>08.05.2020</a:t>
             </a:fld>
             <a:endParaRPr lang="fr-CH"/>
           </a:p>
@@ -4501,7 +4501,7 @@
           <a:p>
             <a:fld id="{3DD17AEC-70AF-45C1-A4D8-B9682E9F5690}" type="datetime1">
               <a:rPr lang="fr-CH" smtClean="0"/>
-              <a:t>06.05.2020</a:t>
+              <a:t>08.05.2020</a:t>
             </a:fld>
             <a:endParaRPr lang="fr-CH"/>
           </a:p>
@@ -4815,7 +4815,7 @@
           <a:p>
             <a:fld id="{DD598F42-9E37-44B5-9404-FFDB7BFA3C58}" type="datetime1">
               <a:rPr lang="fr-CH" smtClean="0"/>
-              <a:t>06.05.2020</a:t>
+              <a:t>08.05.2020</a:t>
             </a:fld>
             <a:endParaRPr lang="fr-CH"/>
           </a:p>
@@ -5148,7 +5148,7 @@
           <a:p>
             <a:fld id="{D80A43B4-503F-48B3-9D69-A1E033EB31DC}" type="datetime1">
               <a:rPr lang="fr-CH" smtClean="0"/>
-              <a:t>06.05.2020</a:t>
+              <a:t>08.05.2020</a:t>
             </a:fld>
             <a:endParaRPr lang="fr-CH"/>
           </a:p>
@@ -5462,7 +5462,7 @@
           <a:p>
             <a:fld id="{C63570D4-DC05-4346-960C-EE641E3F13E6}" type="datetime1">
               <a:rPr lang="fr-CH" smtClean="0"/>
-              <a:t>06.05.2020</a:t>
+              <a:t>08.05.2020</a:t>
             </a:fld>
             <a:endParaRPr lang="fr-CH"/>
           </a:p>
@@ -5855,7 +5855,7 @@
           <a:p>
             <a:fld id="{6DAD8BB9-B4F7-4387-B4ED-AABAD1F880A7}" type="datetime1">
               <a:rPr lang="fr-CH" smtClean="0"/>
-              <a:t>06.05.2020</a:t>
+              <a:t>08.05.2020</a:t>
             </a:fld>
             <a:endParaRPr lang="fr-CH"/>
           </a:p>
@@ -6025,7 +6025,7 @@
           <a:p>
             <a:fld id="{5AECCC42-73C7-497A-91BC-5B46DEBB8AEF}" type="datetime1">
               <a:rPr lang="fr-CH" smtClean="0"/>
-              <a:t>06.05.2020</a:t>
+              <a:t>08.05.2020</a:t>
             </a:fld>
             <a:endParaRPr lang="fr-CH"/>
           </a:p>
@@ -6205,7 +6205,7 @@
           <a:p>
             <a:fld id="{24A8B8C1-AC7C-4439-ABE1-977A3F495DB0}" type="datetime1">
               <a:rPr lang="fr-CH" smtClean="0"/>
-              <a:t>06.05.2020</a:t>
+              <a:t>08.05.2020</a:t>
             </a:fld>
             <a:endParaRPr lang="fr-CH"/>
           </a:p>
@@ -6451,7 +6451,7 @@
           <a:p>
             <a:fld id="{8A489873-EBA8-4E74-A188-36791492334D}" type="datetime1">
               <a:rPr lang="fr-CH" smtClean="0"/>
-              <a:t>06.05.2020</a:t>
+              <a:t>08.05.2020</a:t>
             </a:fld>
             <a:endParaRPr lang="fr-CH"/>
           </a:p>
@@ -6690,7 +6690,7 @@
           <a:p>
             <a:fld id="{2716B30A-CC25-498D-A978-F9C8FA3447EC}" type="datetime1">
               <a:rPr lang="fr-CH" smtClean="0"/>
-              <a:t>06.05.2020</a:t>
+              <a:t>08.05.2020</a:t>
             </a:fld>
             <a:endParaRPr lang="fr-CH"/>
           </a:p>
@@ -7064,7 +7064,7 @@
           <a:p>
             <a:fld id="{86F0612F-4B27-4C50-9FEF-D899F02BE98F}" type="datetime1">
               <a:rPr lang="fr-CH" smtClean="0"/>
-              <a:t>06.05.2020</a:t>
+              <a:t>08.05.2020</a:t>
             </a:fld>
             <a:endParaRPr lang="fr-CH"/>
           </a:p>
@@ -7189,7 +7189,7 @@
           <a:p>
             <a:fld id="{1F3DD3EA-FE5E-4B40-AAF2-7BDC6B236448}" type="datetime1">
               <a:rPr lang="fr-CH" smtClean="0"/>
-              <a:t>06.05.2020</a:t>
+              <a:t>08.05.2020</a:t>
             </a:fld>
             <a:endParaRPr lang="fr-CH"/>
           </a:p>
@@ -7284,7 +7284,7 @@
           <a:p>
             <a:fld id="{DFCE601C-520E-4D95-87EA-C15A6C947E77}" type="datetime1">
               <a:rPr lang="fr-CH" smtClean="0"/>
-              <a:t>06.05.2020</a:t>
+              <a:t>08.05.2020</a:t>
             </a:fld>
             <a:endParaRPr lang="fr-CH"/>
           </a:p>
@@ -7561,7 +7561,7 @@
           <a:p>
             <a:fld id="{7CDD90FB-8902-44F1-AFF3-670F9F6ABDF8}" type="datetime1">
               <a:rPr lang="fr-CH" smtClean="0"/>
-              <a:t>06.05.2020</a:t>
+              <a:t>08.05.2020</a:t>
             </a:fld>
             <a:endParaRPr lang="fr-CH"/>
           </a:p>
@@ -7814,7 +7814,7 @@
           <a:p>
             <a:fld id="{6A97B839-6A40-4321-AA7D-D18AFAC76C0E}" type="datetime1">
               <a:rPr lang="fr-CH" smtClean="0"/>
-              <a:t>06.05.2020</a:t>
+              <a:t>08.05.2020</a:t>
             </a:fld>
             <a:endParaRPr lang="fr-CH"/>
           </a:p>
@@ -8027,7 +8027,7 @@
           <a:p>
             <a:fld id="{36C5D13F-9125-4315-B7A7-EB82236C947E}" type="datetime1">
               <a:rPr lang="fr-CH" smtClean="0"/>
-              <a:t>06.05.2020</a:t>
+              <a:t>08.05.2020</a:t>
             </a:fld>
             <a:endParaRPr lang="fr-CH"/>
           </a:p>
@@ -9108,7 +9108,7 @@
           <a:p>
             <a:fld id="{35BA6938-53D0-4653-82AB-3885BCA89A92}" type="datetime1">
               <a:rPr lang="fr-CH" smtClean="0"/>
-              <a:t>06.05.2020</a:t>
+              <a:t>08.05.2020</a:t>
             </a:fld>
             <a:endParaRPr lang="fr-CH"/>
           </a:p>
@@ -9828,7 +9828,7 @@
         </p:blipFill>
         <p:spPr bwMode="auto">
           <a:xfrm>
-            <a:off x="8830019" y="3317727"/>
+            <a:off x="9274002" y="3317727"/>
             <a:ext cx="1598371" cy="839144"/>
           </a:xfrm>
           <a:prstGeom prst="rect">
@@ -9867,7 +9867,7 @@
         </p:blipFill>
         <p:spPr bwMode="auto">
           <a:xfrm>
-            <a:off x="5955957" y="2471351"/>
+            <a:off x="6399940" y="2471351"/>
             <a:ext cx="1532238" cy="2207741"/>
           </a:xfrm>
           <a:prstGeom prst="rect">
@@ -9893,7 +9893,7 @@
         </p:nvSpPr>
         <p:spPr>
           <a:xfrm>
-            <a:off x="7842422" y="3620629"/>
+            <a:off x="8286405" y="3620629"/>
             <a:ext cx="987597" cy="233339"/>
           </a:xfrm>
           <a:prstGeom prst="rightArrow">
@@ -9948,7 +9948,7 @@
         </p:blipFill>
         <p:spPr bwMode="auto">
           <a:xfrm>
-            <a:off x="2319526" y="3317727"/>
+            <a:off x="2113580" y="3317727"/>
             <a:ext cx="1310761" cy="1310761"/>
           </a:xfrm>
           <a:prstGeom prst="rect">
@@ -9974,8 +9974,8 @@
         </p:nvSpPr>
         <p:spPr>
           <a:xfrm>
-            <a:off x="2285560" y="2786269"/>
-            <a:ext cx="1344727" cy="523220"/>
+            <a:off x="1842264" y="2609841"/>
+            <a:ext cx="1853392" cy="707886"/>
           </a:xfrm>
           <a:prstGeom prst="rect">
             <a:avLst/>
@@ -9989,17 +9989,29 @@
           <a:lstStyle/>
           <a:p>
             <a:r>
-              <a:rPr lang="fr-CH" sz="2800" b="1" dirty="0" smtClean="0">
+              <a:rPr lang="fr-CH" sz="4000" b="1" dirty="0" smtClean="0">
+                <a:ln w="19050">
+                  <a:solidFill>
+                    <a:schemeClr val="tx1"/>
+                  </a:solidFill>
+                </a:ln>
                 <a:solidFill>
                   <a:srgbClr val="F36127"/>
                 </a:solidFill>
+                <a:latin typeface="FORCED SQUARE" panose="02000606000000020004" pitchFamily="2" charset="0"/>
               </a:rPr>
               <a:t>Rythme</a:t>
             </a:r>
-            <a:endParaRPr lang="fr-CH" sz="2800" b="1" dirty="0">
+            <a:endParaRPr lang="fr-CH" sz="3600" b="1" dirty="0">
+              <a:ln w="19050">
+                <a:solidFill>
+                  <a:schemeClr val="tx1"/>
+                </a:solidFill>
+              </a:ln>
               <a:solidFill>
                 <a:srgbClr val="F36127"/>
               </a:solidFill>
+              <a:latin typeface="FORCED SQUARE" panose="02000606000000020004" pitchFamily="2" charset="0"/>
             </a:endParaRPr>
           </a:p>
         </p:txBody>
@@ -10089,7 +10101,7 @@
       </p:sp>
       <p:pic>
         <p:nvPicPr>
-          <p:cNvPr id="5" name="Image 4"/>
+          <p:cNvPr id="3" name="Image 2"/>
           <p:cNvPicPr>
             <a:picLocks noChangeAspect="1"/>
           </p:cNvPicPr>
@@ -10109,8 +10121,8 @@
         </p:blipFill>
         <p:spPr>
           <a:xfrm>
-            <a:off x="1948670" y="1882880"/>
-            <a:ext cx="7780216" cy="4388621"/>
+            <a:off x="1676564" y="1568562"/>
+            <a:ext cx="8707065" cy="4896533"/>
           </a:xfrm>
           <a:prstGeom prst="rect">
             <a:avLst/>
@@ -10240,17 +10252,7 @@
                   </a:schemeClr>
                 </a:solidFill>
               </a:rPr>
-              <a:t>Exécuter le programme </a:t>
-            </a:r>
-            <a:r>
-              <a:rPr lang="fr-CH" dirty="0" smtClean="0">
-                <a:solidFill>
-                  <a:schemeClr val="bg1">
-                    <a:lumMod val="75000"/>
-                  </a:schemeClr>
-                </a:solidFill>
-              </a:rPr>
-              <a:t>directement</a:t>
+              <a:t>Exécuter le programme directement</a:t>
             </a:r>
           </a:p>
           <a:p>
@@ -10761,7 +10763,6 @@
               <a:rPr lang="fr-CH" dirty="0" smtClean="0"/>
               <a:t>Ajuster difficulté et déclencher ralentissement</a:t>
             </a:r>
-            <a:endParaRPr lang="fr-CH" dirty="0" smtClean="0"/>
           </a:p>
         </p:txBody>
       </p:sp>
@@ -10833,7 +10834,6 @@
               <a:rPr lang="fr-CH" dirty="0" smtClean="0"/>
               <a:t>Ajouter musique d’ambiance</a:t>
             </a:r>
-            <a:endParaRPr lang="fr-CH" dirty="0" smtClean="0"/>
           </a:p>
         </p:txBody>
       </p:sp>
@@ -11014,7 +11014,7 @@
         </p:blipFill>
         <p:spPr bwMode="auto">
           <a:xfrm>
-            <a:off x="8369341" y="2585053"/>
+            <a:off x="8096936" y="2612991"/>
             <a:ext cx="1476376" cy="1476376"/>
           </a:xfrm>
           <a:prstGeom prst="rect">
@@ -11040,7 +11040,7 @@
         </p:nvSpPr>
         <p:spPr>
           <a:xfrm>
-            <a:off x="8014556" y="4348482"/>
+            <a:off x="7742150" y="4415110"/>
             <a:ext cx="2185947" cy="369332"/>
           </a:xfrm>
           <a:prstGeom prst="rect">
@@ -11089,7 +11089,7 @@
         </p:blipFill>
         <p:spPr>
           <a:xfrm>
-            <a:off x="5110031" y="2557118"/>
+            <a:off x="5151220" y="2557118"/>
             <a:ext cx="1242515" cy="1532249"/>
           </a:xfrm>
           <a:prstGeom prst="rect">
@@ -11105,7 +11105,7 @@
         </p:nvSpPr>
         <p:spPr>
           <a:xfrm>
-            <a:off x="4657136" y="4276611"/>
+            <a:off x="4698325" y="4276611"/>
             <a:ext cx="2148303" cy="646331"/>
           </a:xfrm>
           <a:prstGeom prst="rect">
@@ -11166,7 +11166,7 @@
         </p:blipFill>
         <p:spPr>
           <a:xfrm>
-            <a:off x="1968757" y="2757482"/>
+            <a:off x="2353531" y="2831623"/>
             <a:ext cx="1094488" cy="1131519"/>
           </a:xfrm>
           <a:prstGeom prst="rect">
@@ -11182,7 +11182,7 @@
         </p:nvSpPr>
         <p:spPr>
           <a:xfrm>
-            <a:off x="1405663" y="4348482"/>
+            <a:off x="1790437" y="4422623"/>
             <a:ext cx="2220673" cy="369332"/>
           </a:xfrm>
           <a:prstGeom prst="rect">
@@ -11203,7 +11203,6 @@
               <a:rPr lang="fr-CH" dirty="0"/>
               <a:t>de l’évaluation</a:t>
             </a:r>
-            <a:endParaRPr lang="fr-CH" dirty="0"/>
           </a:p>
         </p:txBody>
       </p:sp>
